--- a/Presentation.pptx
+++ b/Presentation.pptx
@@ -5,20 +5,25 @@
     <p:sldMasterId id="2147483768" r:id="rId1"/>
   </p:sldMasterIdLst>
   <p:notesMasterIdLst>
-    <p:notesMasterId r:id="rId13"/>
+    <p:notesMasterId r:id="rId18"/>
   </p:notesMasterIdLst>
   <p:sldIdLst>
     <p:sldId id="256" r:id="rId2"/>
-    <p:sldId id="257" r:id="rId3"/>
-    <p:sldId id="258" r:id="rId4"/>
-    <p:sldId id="259" r:id="rId5"/>
-    <p:sldId id="260" r:id="rId6"/>
-    <p:sldId id="261" r:id="rId7"/>
-    <p:sldId id="262" r:id="rId8"/>
-    <p:sldId id="263" r:id="rId9"/>
-    <p:sldId id="264" r:id="rId10"/>
-    <p:sldId id="265" r:id="rId11"/>
-    <p:sldId id="266" r:id="rId12"/>
+    <p:sldId id="269" r:id="rId3"/>
+    <p:sldId id="270" r:id="rId4"/>
+    <p:sldId id="257" r:id="rId5"/>
+    <p:sldId id="258" r:id="rId6"/>
+    <p:sldId id="259" r:id="rId7"/>
+    <p:sldId id="260" r:id="rId8"/>
+    <p:sldId id="261" r:id="rId9"/>
+    <p:sldId id="262" r:id="rId10"/>
+    <p:sldId id="263" r:id="rId11"/>
+    <p:sldId id="264" r:id="rId12"/>
+    <p:sldId id="265" r:id="rId13"/>
+    <p:sldId id="266" r:id="rId14"/>
+    <p:sldId id="267" r:id="rId15"/>
+    <p:sldId id="268" r:id="rId16"/>
+    <p:sldId id="271" r:id="rId17"/>
   </p:sldIdLst>
   <p:sldSz cx="12192000" cy="6858000"/>
   <p:notesSz cx="6858000" cy="9144000"/>
@@ -207,7 +212,7 @@
           <a:p>
             <a:fld id="{96EDC2F9-2B2E-42FA-9779-8AAB1CF43FB2}" type="datetimeFigureOut">
               <a:rPr lang="en-GB" smtClean="0"/>
-              <a:t>20/11/2014</a:t>
+              <a:t>03/12/2014</a:t>
             </a:fld>
             <a:endParaRPr lang="en-GB"/>
           </a:p>
@@ -762,7 +767,7 @@
           <a:p>
             <a:fld id="{96166273-3334-4DFD-BFB9-D56C20B05D54}" type="datetimeFigureOut">
               <a:rPr lang="en-GB" smtClean="0"/>
-              <a:t>20/11/2014</a:t>
+              <a:t>03/12/2014</a:t>
             </a:fld>
             <a:endParaRPr lang="en-GB"/>
           </a:p>
@@ -1080,7 +1085,7 @@
           <a:p>
             <a:fld id="{96166273-3334-4DFD-BFB9-D56C20B05D54}" type="datetimeFigureOut">
               <a:rPr lang="en-GB" smtClean="0"/>
-              <a:t>20/11/2014</a:t>
+              <a:t>03/12/2014</a:t>
             </a:fld>
             <a:endParaRPr lang="en-GB"/>
           </a:p>
@@ -1568,7 +1573,7 @@
           <a:p>
             <a:fld id="{96166273-3334-4DFD-BFB9-D56C20B05D54}" type="datetimeFigureOut">
               <a:rPr lang="en-GB" smtClean="0"/>
-              <a:t>20/11/2014</a:t>
+              <a:t>03/12/2014</a:t>
             </a:fld>
             <a:endParaRPr lang="en-GB"/>
           </a:p>
@@ -1937,7 +1942,7 @@
           <a:p>
             <a:fld id="{96166273-3334-4DFD-BFB9-D56C20B05D54}" type="datetimeFigureOut">
               <a:rPr lang="en-GB" smtClean="0"/>
-              <a:t>20/11/2014</a:t>
+              <a:t>03/12/2014</a:t>
             </a:fld>
             <a:endParaRPr lang="en-GB"/>
           </a:p>
@@ -2210,7 +2215,7 @@
           <a:p>
             <a:fld id="{96166273-3334-4DFD-BFB9-D56C20B05D54}" type="datetimeFigureOut">
               <a:rPr lang="en-GB" smtClean="0"/>
-              <a:t>20/11/2014</a:t>
+              <a:t>03/12/2014</a:t>
             </a:fld>
             <a:endParaRPr lang="en-GB"/>
           </a:p>
@@ -2495,7 +2500,7 @@
           <a:p>
             <a:fld id="{96166273-3334-4DFD-BFB9-D56C20B05D54}" type="datetimeFigureOut">
               <a:rPr lang="en-GB" smtClean="0"/>
-              <a:t>20/11/2014</a:t>
+              <a:t>03/12/2014</a:t>
             </a:fld>
             <a:endParaRPr lang="en-GB"/>
           </a:p>
@@ -2778,7 +2783,7 @@
           <a:p>
             <a:fld id="{96166273-3334-4DFD-BFB9-D56C20B05D54}" type="datetimeFigureOut">
               <a:rPr lang="en-GB" smtClean="0"/>
-              <a:t>20/11/2014</a:t>
+              <a:t>03/12/2014</a:t>
             </a:fld>
             <a:endParaRPr lang="en-GB"/>
           </a:p>
@@ -3121,7 +3126,7 @@
           <a:p>
             <a:fld id="{96166273-3334-4DFD-BFB9-D56C20B05D54}" type="datetimeFigureOut">
               <a:rPr lang="en-GB" smtClean="0"/>
-              <a:t>20/11/2014</a:t>
+              <a:t>03/12/2014</a:t>
             </a:fld>
             <a:endParaRPr lang="en-GB"/>
           </a:p>
@@ -3460,7 +3465,7 @@
           <a:p>
             <a:fld id="{96166273-3334-4DFD-BFB9-D56C20B05D54}" type="datetimeFigureOut">
               <a:rPr lang="en-GB" smtClean="0"/>
-              <a:t>20/11/2014</a:t>
+              <a:t>03/12/2014</a:t>
             </a:fld>
             <a:endParaRPr lang="en-GB"/>
           </a:p>
@@ -3937,7 +3942,7 @@
           <a:p>
             <a:fld id="{96166273-3334-4DFD-BFB9-D56C20B05D54}" type="datetimeFigureOut">
               <a:rPr lang="en-GB" smtClean="0"/>
-              <a:t>20/11/2014</a:t>
+              <a:t>03/12/2014</a:t>
             </a:fld>
             <a:endParaRPr lang="en-GB"/>
           </a:p>
@@ -4158,7 +4163,7 @@
           <a:p>
             <a:fld id="{96166273-3334-4DFD-BFB9-D56C20B05D54}" type="datetimeFigureOut">
               <a:rPr lang="en-GB" smtClean="0"/>
-              <a:t>20/11/2014</a:t>
+              <a:t>03/12/2014</a:t>
             </a:fld>
             <a:endParaRPr lang="en-GB"/>
           </a:p>
@@ -4253,7 +4258,7 @@
           <a:p>
             <a:fld id="{96166273-3334-4DFD-BFB9-D56C20B05D54}" type="datetimeFigureOut">
               <a:rPr lang="en-GB" smtClean="0"/>
-              <a:t>20/11/2014</a:t>
+              <a:t>03/12/2014</a:t>
             </a:fld>
             <a:endParaRPr lang="en-GB"/>
           </a:p>
@@ -4720,7 +4725,7 @@
           <a:p>
             <a:fld id="{96166273-3334-4DFD-BFB9-D56C20B05D54}" type="datetimeFigureOut">
               <a:rPr lang="en-GB" smtClean="0"/>
-              <a:t>20/11/2014</a:t>
+              <a:t>03/12/2014</a:t>
             </a:fld>
             <a:endParaRPr lang="en-GB"/>
           </a:p>
@@ -5033,7 +5038,7 @@
           <a:p>
             <a:fld id="{96166273-3334-4DFD-BFB9-D56C20B05D54}" type="datetimeFigureOut">
               <a:rPr lang="en-GB" smtClean="0"/>
-              <a:t>20/11/2014</a:t>
+              <a:t>03/12/2014</a:t>
             </a:fld>
             <a:endParaRPr lang="en-GB"/>
           </a:p>
@@ -5303,7 +5308,7 @@
           <a:p>
             <a:fld id="{96166273-3334-4DFD-BFB9-D56C20B05D54}" type="datetimeFigureOut">
               <a:rPr lang="en-GB" smtClean="0"/>
-              <a:t>20/11/2014</a:t>
+              <a:t>03/12/2014</a:t>
             </a:fld>
             <a:endParaRPr lang="en-GB"/>
           </a:p>
@@ -5769,7 +5774,7 @@
           <a:p>
             <a:r>
               <a:rPr lang="en-GB" dirty="0"/>
-              <a:t>Designing and initialization of OGRE engine part 1</a:t>
+              <a:t>How to involve OGRE, bullet, etc. with laparoscopic training system</a:t>
             </a:r>
             <a:endParaRPr lang="en-GB" dirty="0"/>
           </a:p>
@@ -5848,85 +5853,80 @@
           <a:lstStyle/>
           <a:p>
             <a:r>
+              <a:rPr lang="en-GB" dirty="0"/>
+              <a:t>Create a scene</a:t>
+            </a:r>
+          </a:p>
+        </p:txBody>
+      </p:sp>
+      <p:sp>
+        <p:nvSpPr>
+          <p:cNvPr id="3" name="Tijdelijke aanduiding voor inhoud 2"/>
+          <p:cNvSpPr>
+            <a:spLocks noGrp="1"/>
+          </p:cNvSpPr>
+          <p:nvPr>
+            <p:ph idx="1"/>
+          </p:nvPr>
+        </p:nvSpPr>
+        <p:spPr/>
+        <p:txBody>
+          <a:bodyPr/>
+          <a:lstStyle/>
+          <a:p>
+            <a:r>
+              <a:rPr lang="nl-NL" dirty="0" err="1" smtClean="0"/>
+              <a:t>Create</a:t>
+            </a:r>
+            <a:r>
               <a:rPr lang="nl-NL" dirty="0" smtClean="0"/>
-              <a:t>Set up </a:t>
+              <a:t> the </a:t>
             </a:r>
             <a:r>
               <a:rPr lang="nl-NL" dirty="0" err="1" smtClean="0"/>
-              <a:t>framelistners</a:t>
-            </a:r>
-            <a:endParaRPr lang="en-GB" dirty="0"/>
-          </a:p>
-        </p:txBody>
-      </p:sp>
-      <p:sp>
-        <p:nvSpPr>
-          <p:cNvPr id="3" name="Tijdelijke aanduiding voor inhoud 2"/>
-          <p:cNvSpPr>
-            <a:spLocks noGrp="1"/>
-          </p:cNvSpPr>
-          <p:nvPr>
-            <p:ph idx="1"/>
-          </p:nvPr>
-        </p:nvSpPr>
-        <p:spPr/>
-        <p:txBody>
-          <a:bodyPr/>
-          <a:lstStyle/>
-          <a:p>
+              <a:t>sceneManager</a:t>
+            </a:r>
             <a:r>
               <a:rPr lang="nl-NL" dirty="0" smtClean="0"/>
-              <a:t>Set up the frame </a:t>
-            </a:r>
+              <a:t> (root)</a:t>
+            </a:r>
+          </a:p>
+          <a:p>
             <a:r>
               <a:rPr lang="nl-NL" dirty="0" err="1" smtClean="0"/>
-              <a:t>listners</a:t>
+              <a:t>Create</a:t>
             </a:r>
             <a:r>
               <a:rPr lang="nl-NL" dirty="0" smtClean="0"/>
-              <a:t> </a:t>
-            </a:r>
+              <a:t> the camera</a:t>
+            </a:r>
+          </a:p>
+          <a:p>
             <a:r>
               <a:rPr lang="nl-NL" dirty="0" err="1" smtClean="0"/>
-              <a:t>to</a:t>
+              <a:t>Create</a:t>
             </a:r>
             <a:r>
               <a:rPr lang="nl-NL" dirty="0" smtClean="0"/>
-              <a:t> listen </a:t>
-            </a:r>
+              <a:t> the viewport</a:t>
+            </a:r>
+          </a:p>
+          <a:p>
             <a:r>
               <a:rPr lang="nl-NL" dirty="0" err="1" smtClean="0"/>
-              <a:t>to</a:t>
+              <a:t>Create</a:t>
             </a:r>
             <a:r>
               <a:rPr lang="nl-NL" dirty="0" smtClean="0"/>
-              <a:t> the input</a:t>
-            </a:r>
-          </a:p>
-          <a:p>
-            <a:r>
-              <a:rPr lang="en-GB" dirty="0" smtClean="0"/>
-              <a:t>Add Ogre</a:t>
-            </a:r>
-            <a:r>
-              <a:rPr lang="en-GB" dirty="0"/>
-              <a:t>::</a:t>
-            </a:r>
-            <a:r>
-              <a:rPr lang="en-GB" dirty="0" err="1" smtClean="0"/>
-              <a:t>FrameListener</a:t>
-            </a:r>
-            <a:endParaRPr lang="en-GB" dirty="0" smtClean="0"/>
-          </a:p>
-          <a:p>
-            <a:endParaRPr lang="en-GB" dirty="0"/>
+              <a:t> the scenes</a:t>
+            </a:r>
           </a:p>
         </p:txBody>
       </p:sp>
     </p:spTree>
     <p:extLst>
       <p:ext uri="{BB962C8B-B14F-4D97-AF65-F5344CB8AC3E}">
-        <p14:creationId xmlns:p14="http://schemas.microsoft.com/office/powerpoint/2010/main" val="3032030512"/>
+        <p14:creationId xmlns:p14="http://schemas.microsoft.com/office/powerpoint/2010/main" val="1736139545"/>
       </p:ext>
     </p:extLst>
   </p:cSld>
@@ -5970,6 +5970,202 @@
           <a:p>
             <a:r>
               <a:rPr lang="en-GB" dirty="0"/>
+              <a:t>Set up any third party libraries and plugins</a:t>
+            </a:r>
+          </a:p>
+        </p:txBody>
+      </p:sp>
+      <p:sp>
+        <p:nvSpPr>
+          <p:cNvPr id="3" name="Tijdelijke aanduiding voor inhoud 2"/>
+          <p:cNvSpPr>
+            <a:spLocks noGrp="1"/>
+          </p:cNvSpPr>
+          <p:nvPr>
+            <p:ph idx="1"/>
+          </p:nvPr>
+        </p:nvSpPr>
+        <p:spPr/>
+        <p:txBody>
+          <a:bodyPr/>
+          <a:lstStyle/>
+          <a:p>
+            <a:r>
+              <a:rPr lang="en-GB" dirty="0" smtClean="0"/>
+              <a:t>Set up library’s like OIS, HID</a:t>
+            </a:r>
+            <a:endParaRPr lang="en-GB" dirty="0"/>
+          </a:p>
+        </p:txBody>
+      </p:sp>
+    </p:spTree>
+    <p:extLst>
+      <p:ext uri="{BB962C8B-B14F-4D97-AF65-F5344CB8AC3E}">
+        <p14:creationId xmlns:p14="http://schemas.microsoft.com/office/powerpoint/2010/main" val="3258175009"/>
+      </p:ext>
+    </p:extLst>
+  </p:cSld>
+  <p:clrMapOvr>
+    <a:masterClrMapping/>
+  </p:clrMapOvr>
+</p:sld>
+</file>
+
+<file path=ppt/slides/slide12.xml><?xml version="1.0" encoding="utf-8"?>
+<p:sld xmlns:a="http://schemas.openxmlformats.org/drawingml/2006/main" xmlns:r="http://schemas.openxmlformats.org/officeDocument/2006/relationships" xmlns:p="http://schemas.openxmlformats.org/presentationml/2006/main">
+  <p:cSld>
+    <p:spTree>
+      <p:nvGrpSpPr>
+        <p:cNvPr id="1" name=""/>
+        <p:cNvGrpSpPr/>
+        <p:nvPr/>
+      </p:nvGrpSpPr>
+      <p:grpSpPr>
+        <a:xfrm>
+          <a:off x="0" y="0"/>
+          <a:ext cx="0" cy="0"/>
+          <a:chOff x="0" y="0"/>
+          <a:chExt cx="0" cy="0"/>
+        </a:xfrm>
+      </p:grpSpPr>
+      <p:sp>
+        <p:nvSpPr>
+          <p:cNvPr id="2" name="Titel 1"/>
+          <p:cNvSpPr>
+            <a:spLocks noGrp="1"/>
+          </p:cNvSpPr>
+          <p:nvPr>
+            <p:ph type="title"/>
+          </p:nvPr>
+        </p:nvSpPr>
+        <p:spPr/>
+        <p:txBody>
+          <a:bodyPr/>
+          <a:lstStyle/>
+          <a:p>
+            <a:r>
+              <a:rPr lang="nl-NL" dirty="0" smtClean="0"/>
+              <a:t>Set up </a:t>
+            </a:r>
+            <a:r>
+              <a:rPr lang="nl-NL" dirty="0" err="1" smtClean="0"/>
+              <a:t>framelistners</a:t>
+            </a:r>
+            <a:endParaRPr lang="en-GB" dirty="0"/>
+          </a:p>
+        </p:txBody>
+      </p:sp>
+      <p:sp>
+        <p:nvSpPr>
+          <p:cNvPr id="3" name="Tijdelijke aanduiding voor inhoud 2"/>
+          <p:cNvSpPr>
+            <a:spLocks noGrp="1"/>
+          </p:cNvSpPr>
+          <p:nvPr>
+            <p:ph idx="1"/>
+          </p:nvPr>
+        </p:nvSpPr>
+        <p:spPr/>
+        <p:txBody>
+          <a:bodyPr/>
+          <a:lstStyle/>
+          <a:p>
+            <a:r>
+              <a:rPr lang="nl-NL" dirty="0" smtClean="0"/>
+              <a:t>Set up the frame </a:t>
+            </a:r>
+            <a:r>
+              <a:rPr lang="nl-NL" dirty="0" err="1" smtClean="0"/>
+              <a:t>listners</a:t>
+            </a:r>
+            <a:r>
+              <a:rPr lang="nl-NL" dirty="0" smtClean="0"/>
+              <a:t> </a:t>
+            </a:r>
+            <a:r>
+              <a:rPr lang="nl-NL" dirty="0" err="1" smtClean="0"/>
+              <a:t>to</a:t>
+            </a:r>
+            <a:r>
+              <a:rPr lang="nl-NL" dirty="0" smtClean="0"/>
+              <a:t> listen </a:t>
+            </a:r>
+            <a:r>
+              <a:rPr lang="nl-NL" dirty="0" err="1" smtClean="0"/>
+              <a:t>to</a:t>
+            </a:r>
+            <a:r>
+              <a:rPr lang="nl-NL" dirty="0" smtClean="0"/>
+              <a:t> the input</a:t>
+            </a:r>
+          </a:p>
+          <a:p>
+            <a:r>
+              <a:rPr lang="en-GB" dirty="0" smtClean="0"/>
+              <a:t>Add Ogre</a:t>
+            </a:r>
+            <a:r>
+              <a:rPr lang="en-GB" dirty="0"/>
+              <a:t>::</a:t>
+            </a:r>
+            <a:r>
+              <a:rPr lang="en-GB" dirty="0" err="1" smtClean="0"/>
+              <a:t>FrameListener</a:t>
+            </a:r>
+            <a:endParaRPr lang="en-GB" dirty="0" smtClean="0"/>
+          </a:p>
+          <a:p>
+            <a:endParaRPr lang="en-GB" dirty="0"/>
+          </a:p>
+        </p:txBody>
+      </p:sp>
+    </p:spTree>
+    <p:extLst>
+      <p:ext uri="{BB962C8B-B14F-4D97-AF65-F5344CB8AC3E}">
+        <p14:creationId xmlns:p14="http://schemas.microsoft.com/office/powerpoint/2010/main" val="3032030512"/>
+      </p:ext>
+    </p:extLst>
+  </p:cSld>
+  <p:clrMapOvr>
+    <a:masterClrMapping/>
+  </p:clrMapOvr>
+</p:sld>
+</file>
+
+<file path=ppt/slides/slide13.xml><?xml version="1.0" encoding="utf-8"?>
+<p:sld xmlns:a="http://schemas.openxmlformats.org/drawingml/2006/main" xmlns:r="http://schemas.openxmlformats.org/officeDocument/2006/relationships" xmlns:p="http://schemas.openxmlformats.org/presentationml/2006/main">
+  <p:cSld>
+    <p:spTree>
+      <p:nvGrpSpPr>
+        <p:cNvPr id="1" name=""/>
+        <p:cNvGrpSpPr/>
+        <p:nvPr/>
+      </p:nvGrpSpPr>
+      <p:grpSpPr>
+        <a:xfrm>
+          <a:off x="0" y="0"/>
+          <a:ext cx="0" cy="0"/>
+          <a:chOff x="0" y="0"/>
+          <a:chExt cx="0" cy="0"/>
+        </a:xfrm>
+      </p:grpSpPr>
+      <p:sp>
+        <p:nvSpPr>
+          <p:cNvPr id="2" name="Titel 1"/>
+          <p:cNvSpPr>
+            <a:spLocks noGrp="1"/>
+          </p:cNvSpPr>
+          <p:nvPr>
+            <p:ph type="title"/>
+          </p:nvPr>
+        </p:nvSpPr>
+        <p:spPr/>
+        <p:txBody>
+          <a:bodyPr/>
+          <a:lstStyle/>
+          <a:p>
+            <a:r>
+              <a:rPr lang="en-GB" dirty="0"/>
               <a:t>Start the render </a:t>
             </a:r>
             <a:r>
@@ -6047,6 +6243,465 @@
     <p:extLst>
       <p:ext uri="{BB962C8B-B14F-4D97-AF65-F5344CB8AC3E}">
         <p14:creationId xmlns:p14="http://schemas.microsoft.com/office/powerpoint/2010/main" val="23702537"/>
+      </p:ext>
+    </p:extLst>
+  </p:cSld>
+  <p:clrMapOvr>
+    <a:masterClrMapping/>
+  </p:clrMapOvr>
+</p:sld>
+</file>
+
+<file path=ppt/slides/slide14.xml><?xml version="1.0" encoding="utf-8"?>
+<p:sld xmlns:a="http://schemas.openxmlformats.org/drawingml/2006/main" xmlns:r="http://schemas.openxmlformats.org/officeDocument/2006/relationships" xmlns:p="http://schemas.openxmlformats.org/presentationml/2006/main">
+  <p:cSld>
+    <p:spTree>
+      <p:nvGrpSpPr>
+        <p:cNvPr id="1" name=""/>
+        <p:cNvGrpSpPr/>
+        <p:nvPr/>
+      </p:nvGrpSpPr>
+      <p:grpSpPr>
+        <a:xfrm>
+          <a:off x="0" y="0"/>
+          <a:ext cx="0" cy="0"/>
+          <a:chOff x="0" y="0"/>
+          <a:chExt cx="0" cy="0"/>
+        </a:xfrm>
+      </p:grpSpPr>
+      <p:sp>
+        <p:nvSpPr>
+          <p:cNvPr id="2" name="Titel 1"/>
+          <p:cNvSpPr>
+            <a:spLocks noGrp="1"/>
+          </p:cNvSpPr>
+          <p:nvPr>
+            <p:ph type="title"/>
+          </p:nvPr>
+        </p:nvSpPr>
+        <p:spPr/>
+        <p:txBody>
+          <a:bodyPr/>
+          <a:lstStyle/>
+          <a:p>
+            <a:r>
+              <a:rPr lang="nl-NL" dirty="0" err="1" smtClean="0"/>
+              <a:t>Key</a:t>
+            </a:r>
+            <a:r>
+              <a:rPr lang="nl-NL" dirty="0" smtClean="0"/>
+              <a:t> events</a:t>
+            </a:r>
+            <a:endParaRPr lang="en-GB" dirty="0"/>
+          </a:p>
+        </p:txBody>
+      </p:sp>
+      <p:sp>
+        <p:nvSpPr>
+          <p:cNvPr id="3" name="Tijdelijke aanduiding voor inhoud 2"/>
+          <p:cNvSpPr>
+            <a:spLocks noGrp="1"/>
+          </p:cNvSpPr>
+          <p:nvPr>
+            <p:ph idx="1"/>
+          </p:nvPr>
+        </p:nvSpPr>
+        <p:spPr/>
+        <p:txBody>
+          <a:bodyPr/>
+          <a:lstStyle/>
+          <a:p>
+            <a:r>
+              <a:rPr lang="nl-NL" dirty="0" smtClean="0"/>
+              <a:t>Events </a:t>
+            </a:r>
+            <a:r>
+              <a:rPr lang="nl-NL" dirty="0" err="1" smtClean="0"/>
+              <a:t>like</a:t>
+            </a:r>
+            <a:r>
+              <a:rPr lang="nl-NL" dirty="0" smtClean="0"/>
+              <a:t> </a:t>
+            </a:r>
+            <a:r>
+              <a:rPr lang="nl-NL" dirty="0" err="1" smtClean="0"/>
+              <a:t>key</a:t>
+            </a:r>
+            <a:r>
+              <a:rPr lang="nl-NL" dirty="0" smtClean="0"/>
+              <a:t> </a:t>
+            </a:r>
+            <a:r>
+              <a:rPr lang="nl-NL" dirty="0" err="1" smtClean="0"/>
+              <a:t>released</a:t>
+            </a:r>
+            <a:r>
+              <a:rPr lang="nl-NL" dirty="0" smtClean="0"/>
+              <a:t>, </a:t>
+            </a:r>
+            <a:r>
+              <a:rPr lang="nl-NL" dirty="0" err="1" smtClean="0"/>
+              <a:t>key</a:t>
+            </a:r>
+            <a:r>
+              <a:rPr lang="nl-NL" dirty="0" smtClean="0"/>
+              <a:t> </a:t>
+            </a:r>
+            <a:r>
+              <a:rPr lang="nl-NL" dirty="0" err="1" smtClean="0"/>
+              <a:t>pressed</a:t>
+            </a:r>
+            <a:r>
+              <a:rPr lang="nl-NL" dirty="0" smtClean="0"/>
+              <a:t>, mouse </a:t>
+            </a:r>
+            <a:r>
+              <a:rPr lang="nl-NL" dirty="0" err="1" smtClean="0"/>
+              <a:t>moved</a:t>
+            </a:r>
+            <a:r>
+              <a:rPr lang="nl-NL" dirty="0" smtClean="0"/>
+              <a:t> part of the OIS </a:t>
+            </a:r>
+            <a:r>
+              <a:rPr lang="nl-NL" dirty="0" err="1" smtClean="0"/>
+              <a:t>library</a:t>
+            </a:r>
+            <a:endParaRPr lang="en-GB" dirty="0"/>
+          </a:p>
+        </p:txBody>
+      </p:sp>
+    </p:spTree>
+    <p:extLst>
+      <p:ext uri="{BB962C8B-B14F-4D97-AF65-F5344CB8AC3E}">
+        <p14:creationId xmlns:p14="http://schemas.microsoft.com/office/powerpoint/2010/main" val="3756837939"/>
+      </p:ext>
+    </p:extLst>
+  </p:cSld>
+  <p:clrMapOvr>
+    <a:masterClrMapping/>
+  </p:clrMapOvr>
+</p:sld>
+</file>
+
+<file path=ppt/slides/slide15.xml><?xml version="1.0" encoding="utf-8"?>
+<p:sld xmlns:a="http://schemas.openxmlformats.org/drawingml/2006/main" xmlns:r="http://schemas.openxmlformats.org/officeDocument/2006/relationships" xmlns:p="http://schemas.openxmlformats.org/presentationml/2006/main">
+  <p:cSld>
+    <p:spTree>
+      <p:nvGrpSpPr>
+        <p:cNvPr id="1" name=""/>
+        <p:cNvGrpSpPr/>
+        <p:nvPr/>
+      </p:nvGrpSpPr>
+      <p:grpSpPr>
+        <a:xfrm>
+          <a:off x="0" y="0"/>
+          <a:ext cx="0" cy="0"/>
+          <a:chOff x="0" y="0"/>
+          <a:chExt cx="0" cy="0"/>
+        </a:xfrm>
+      </p:grpSpPr>
+      <p:sp>
+        <p:nvSpPr>
+          <p:cNvPr id="2" name="Titel 1"/>
+          <p:cNvSpPr>
+            <a:spLocks noGrp="1"/>
+          </p:cNvSpPr>
+          <p:nvPr>
+            <p:ph type="title"/>
+          </p:nvPr>
+        </p:nvSpPr>
+        <p:spPr/>
+        <p:txBody>
+          <a:bodyPr/>
+          <a:lstStyle/>
+          <a:p>
+            <a:r>
+              <a:rPr lang="nl-NL" dirty="0" smtClean="0"/>
+              <a:t>CEGUI</a:t>
+            </a:r>
+            <a:endParaRPr lang="en-GB" dirty="0"/>
+          </a:p>
+        </p:txBody>
+      </p:sp>
+      <p:sp>
+        <p:nvSpPr>
+          <p:cNvPr id="3" name="Tijdelijke aanduiding voor inhoud 2"/>
+          <p:cNvSpPr>
+            <a:spLocks noGrp="1"/>
+          </p:cNvSpPr>
+          <p:nvPr>
+            <p:ph idx="1"/>
+          </p:nvPr>
+        </p:nvSpPr>
+        <p:spPr/>
+        <p:txBody>
+          <a:bodyPr/>
+          <a:lstStyle/>
+          <a:p>
+            <a:r>
+              <a:rPr lang="nl-NL" dirty="0" err="1" smtClean="0"/>
+              <a:t>Seperate</a:t>
+            </a:r>
+            <a:r>
+              <a:rPr lang="nl-NL" dirty="0" smtClean="0"/>
+              <a:t> package</a:t>
+            </a:r>
+            <a:endParaRPr lang="en-GB" dirty="0" smtClean="0"/>
+          </a:p>
+          <a:p>
+            <a:r>
+              <a:rPr lang="en-GB" dirty="0" smtClean="0"/>
+              <a:t>Possible</a:t>
+            </a:r>
+            <a:r>
+              <a:rPr lang="nl-NL" dirty="0" smtClean="0"/>
+              <a:t> </a:t>
+            </a:r>
+            <a:r>
+              <a:rPr lang="nl-NL" dirty="0" err="1" smtClean="0"/>
+              <a:t>to</a:t>
+            </a:r>
+            <a:r>
+              <a:rPr lang="nl-NL" dirty="0" smtClean="0"/>
+              <a:t> draw </a:t>
+            </a:r>
+            <a:r>
+              <a:rPr lang="nl-NL" dirty="0" err="1" smtClean="0"/>
+              <a:t>figures</a:t>
+            </a:r>
+            <a:r>
+              <a:rPr lang="nl-NL" dirty="0" smtClean="0"/>
+              <a:t> </a:t>
+            </a:r>
+            <a:r>
+              <a:rPr lang="nl-NL" dirty="0" err="1" smtClean="0"/>
+              <a:t>by</a:t>
+            </a:r>
+            <a:r>
+              <a:rPr lang="nl-NL" dirty="0" smtClean="0"/>
+              <a:t> points </a:t>
+            </a:r>
+            <a:r>
+              <a:rPr lang="nl-NL" dirty="0" err="1" smtClean="0"/>
+              <a:t>and</a:t>
+            </a:r>
+            <a:r>
+              <a:rPr lang="nl-NL" smtClean="0"/>
+              <a:t> more</a:t>
+            </a:r>
+            <a:endParaRPr lang="nl-NL" dirty="0" smtClean="0"/>
+          </a:p>
+          <a:p>
+            <a:r>
+              <a:rPr lang="nl-NL" dirty="0" err="1" smtClean="0"/>
+              <a:t>Problems</a:t>
+            </a:r>
+            <a:r>
+              <a:rPr lang="nl-NL" dirty="0" smtClean="0"/>
+              <a:t> </a:t>
+            </a:r>
+            <a:r>
+              <a:rPr lang="nl-NL" dirty="0" err="1" smtClean="0"/>
+              <a:t>with</a:t>
+            </a:r>
+            <a:r>
+              <a:rPr lang="nl-NL" dirty="0" smtClean="0"/>
+              <a:t> </a:t>
+            </a:r>
+            <a:r>
+              <a:rPr lang="nl-NL" dirty="0" err="1" smtClean="0"/>
+              <a:t>installation</a:t>
+            </a:r>
+            <a:r>
+              <a:rPr lang="nl-NL" dirty="0" smtClean="0"/>
+              <a:t> (</a:t>
+            </a:r>
+            <a:r>
+              <a:rPr lang="nl-NL" dirty="0" err="1" smtClean="0"/>
+              <a:t>Cmake</a:t>
+            </a:r>
+            <a:r>
+              <a:rPr lang="nl-NL" dirty="0" smtClean="0"/>
+              <a:t>, </a:t>
+            </a:r>
+            <a:r>
+              <a:rPr lang="nl-NL" dirty="0" err="1" smtClean="0"/>
+              <a:t>finding</a:t>
+            </a:r>
+            <a:r>
+              <a:rPr lang="nl-NL" dirty="0" smtClean="0"/>
+              <a:t> </a:t>
+            </a:r>
+            <a:r>
+              <a:rPr lang="nl-NL" dirty="0" err="1" smtClean="0"/>
+              <a:t>parts</a:t>
+            </a:r>
+            <a:r>
+              <a:rPr lang="nl-NL" dirty="0" smtClean="0"/>
+              <a:t> </a:t>
+            </a:r>
+            <a:r>
+              <a:rPr lang="nl-NL" dirty="0" err="1"/>
+              <a:t>O</a:t>
+            </a:r>
+            <a:r>
+              <a:rPr lang="nl-NL" dirty="0" err="1" smtClean="0"/>
+              <a:t>gre</a:t>
+            </a:r>
+            <a:r>
+              <a:rPr lang="nl-NL" dirty="0" smtClean="0"/>
+              <a:t>)</a:t>
+            </a:r>
+          </a:p>
+        </p:txBody>
+      </p:sp>
+    </p:spTree>
+    <p:extLst>
+      <p:ext uri="{BB962C8B-B14F-4D97-AF65-F5344CB8AC3E}">
+        <p14:creationId xmlns:p14="http://schemas.microsoft.com/office/powerpoint/2010/main" val="3792932730"/>
+      </p:ext>
+    </p:extLst>
+  </p:cSld>
+  <p:clrMapOvr>
+    <a:masterClrMapping/>
+  </p:clrMapOvr>
+</p:sld>
+</file>
+
+<file path=ppt/slides/slide16.xml><?xml version="1.0" encoding="utf-8"?>
+<p:sld xmlns:a="http://schemas.openxmlformats.org/drawingml/2006/main" xmlns:r="http://schemas.openxmlformats.org/officeDocument/2006/relationships" xmlns:p="http://schemas.openxmlformats.org/presentationml/2006/main">
+  <p:cSld>
+    <p:spTree>
+      <p:nvGrpSpPr>
+        <p:cNvPr id="1" name=""/>
+        <p:cNvGrpSpPr/>
+        <p:nvPr/>
+      </p:nvGrpSpPr>
+      <p:grpSpPr>
+        <a:xfrm>
+          <a:off x="0" y="0"/>
+          <a:ext cx="0" cy="0"/>
+          <a:chOff x="0" y="0"/>
+          <a:chExt cx="0" cy="0"/>
+        </a:xfrm>
+      </p:grpSpPr>
+      <p:sp>
+        <p:nvSpPr>
+          <p:cNvPr id="2" name="Titel 1"/>
+          <p:cNvSpPr>
+            <a:spLocks noGrp="1"/>
+          </p:cNvSpPr>
+          <p:nvPr>
+            <p:ph type="title"/>
+          </p:nvPr>
+        </p:nvSpPr>
+        <p:spPr/>
+        <p:txBody>
+          <a:bodyPr/>
+          <a:lstStyle/>
+          <a:p>
+            <a:r>
+              <a:rPr lang="en-GB" dirty="0"/>
+              <a:t>Combining with laparoscopic training system</a:t>
+            </a:r>
+          </a:p>
+        </p:txBody>
+      </p:sp>
+      <p:sp>
+        <p:nvSpPr>
+          <p:cNvPr id="3" name="Tijdelijke aanduiding voor inhoud 2"/>
+          <p:cNvSpPr>
+            <a:spLocks noGrp="1"/>
+          </p:cNvSpPr>
+          <p:nvPr>
+            <p:ph idx="1"/>
+          </p:nvPr>
+        </p:nvSpPr>
+        <p:spPr/>
+        <p:txBody>
+          <a:bodyPr/>
+          <a:lstStyle/>
+          <a:p>
+            <a:r>
+              <a:rPr lang="nl-NL" dirty="0" smtClean="0"/>
+              <a:t>Input </a:t>
+            </a:r>
+            <a:r>
+              <a:rPr lang="nl-NL" dirty="0" err="1" smtClean="0"/>
+              <a:t>from</a:t>
+            </a:r>
+            <a:r>
+              <a:rPr lang="nl-NL" dirty="0" smtClean="0"/>
+              <a:t> </a:t>
+            </a:r>
+            <a:r>
+              <a:rPr lang="en-GB" dirty="0" err="1"/>
+              <a:t>Simballs</a:t>
+            </a:r>
+            <a:endParaRPr lang="nl-NL" dirty="0" smtClean="0"/>
+          </a:p>
+          <a:p>
+            <a:r>
+              <a:rPr lang="nl-NL" dirty="0" err="1" smtClean="0"/>
+              <a:t>Moving</a:t>
+            </a:r>
+            <a:r>
+              <a:rPr lang="nl-NL" dirty="0" smtClean="0"/>
+              <a:t> the </a:t>
+            </a:r>
+            <a:r>
+              <a:rPr lang="nl-NL" dirty="0" err="1" smtClean="0"/>
+              <a:t>laparoscopic</a:t>
+            </a:r>
+            <a:r>
+              <a:rPr lang="nl-NL" dirty="0" smtClean="0"/>
+              <a:t> arm </a:t>
+            </a:r>
+          </a:p>
+          <a:p>
+            <a:r>
+              <a:rPr lang="nl-NL" dirty="0" err="1"/>
+              <a:t>Creating</a:t>
+            </a:r>
+            <a:r>
+              <a:rPr lang="nl-NL" dirty="0"/>
+              <a:t> </a:t>
+            </a:r>
+            <a:r>
+              <a:rPr lang="nl-NL" dirty="0" err="1"/>
+              <a:t>components</a:t>
+            </a:r>
+            <a:r>
+              <a:rPr lang="nl-NL" dirty="0"/>
+              <a:t> </a:t>
+            </a:r>
+            <a:r>
+              <a:rPr lang="nl-NL" dirty="0" err="1"/>
+              <a:t>to</a:t>
+            </a:r>
+            <a:r>
+              <a:rPr lang="nl-NL" dirty="0"/>
+              <a:t> </a:t>
+            </a:r>
+            <a:r>
+              <a:rPr lang="nl-NL" dirty="0" err="1"/>
+              <a:t>use</a:t>
+            </a:r>
+            <a:r>
+              <a:rPr lang="nl-NL"/>
+              <a:t> </a:t>
+            </a:r>
+          </a:p>
+          <a:p>
+            <a:endParaRPr lang="nl-NL" dirty="0" smtClean="0"/>
+          </a:p>
+        </p:txBody>
+      </p:sp>
+    </p:spTree>
+    <p:extLst>
+      <p:ext uri="{BB962C8B-B14F-4D97-AF65-F5344CB8AC3E}">
+        <p14:creationId xmlns:p14="http://schemas.microsoft.com/office/powerpoint/2010/main" val="1373535810"/>
       </p:ext>
     </p:extLst>
   </p:cSld>
@@ -6108,94 +6763,75 @@
         </p:nvSpPr>
         <p:spPr/>
         <p:txBody>
-          <a:bodyPr>
-            <a:normAutofit/>
-          </a:bodyPr>
-          <a:lstStyle/>
-          <a:p>
-            <a:r>
-              <a:rPr lang="en-GB" dirty="0"/>
-              <a:t>Create the Root object. </a:t>
-            </a:r>
-          </a:p>
-          <a:p>
-            <a:r>
-              <a:rPr lang="en-GB" dirty="0"/>
-              <a:t>Define the resources that Ogre will use. </a:t>
-            </a:r>
-          </a:p>
-          <a:p>
-            <a:r>
-              <a:rPr lang="en-GB" dirty="0"/>
-              <a:t>Choose and set up the </a:t>
-            </a:r>
-            <a:r>
-              <a:rPr lang="en-GB" dirty="0" err="1"/>
-              <a:t>RenderSystem</a:t>
-            </a:r>
-            <a:r>
-              <a:rPr lang="en-GB" dirty="0"/>
-              <a:t> (that is, DirectX, OpenGL, </a:t>
-            </a:r>
-            <a:r>
-              <a:rPr lang="en-GB" dirty="0" err="1"/>
-              <a:t>etc</a:t>
-            </a:r>
-            <a:r>
-              <a:rPr lang="en-GB" dirty="0"/>
-              <a:t>). </a:t>
-            </a:r>
-          </a:p>
-          <a:p>
-            <a:r>
-              <a:rPr lang="en-GB" dirty="0"/>
-              <a:t>Create the </a:t>
-            </a:r>
-            <a:r>
-              <a:rPr lang="en-GB" dirty="0" err="1"/>
-              <a:t>RenderWindow</a:t>
-            </a:r>
-            <a:r>
-              <a:rPr lang="en-GB" dirty="0"/>
-              <a:t> (the window which Ogre resides in). </a:t>
-            </a:r>
-          </a:p>
-          <a:p>
-            <a:r>
-              <a:rPr lang="en-GB" dirty="0"/>
-              <a:t>Initialise the resources that you are going to use. </a:t>
-            </a:r>
-          </a:p>
-          <a:p>
-            <a:r>
-              <a:rPr lang="en-GB" dirty="0"/>
-              <a:t>Create a scene using those resources. </a:t>
-            </a:r>
-          </a:p>
-          <a:p>
-            <a:r>
-              <a:rPr lang="en-GB" dirty="0"/>
-              <a:t>Set up any third party libraries and plugins. </a:t>
-            </a:r>
-          </a:p>
-          <a:p>
-            <a:r>
-              <a:rPr lang="en-GB" dirty="0"/>
-              <a:t>Create any number of frame listeners. </a:t>
-            </a:r>
-          </a:p>
-          <a:p>
-            <a:r>
-              <a:rPr lang="en-GB" dirty="0"/>
-              <a:t>Start the render loop. </a:t>
-            </a:r>
+          <a:bodyPr/>
+          <a:lstStyle/>
+          <a:p>
+            <a:r>
+              <a:rPr lang="nl-NL" dirty="0" err="1" smtClean="0"/>
+              <a:t>Bullet</a:t>
+            </a:r>
+            <a:r>
+              <a:rPr lang="nl-NL" dirty="0" smtClean="0"/>
+              <a:t> </a:t>
+            </a:r>
+            <a:r>
+              <a:rPr lang="nl-NL" dirty="0" err="1" smtClean="0"/>
+              <a:t>Ogre</a:t>
+            </a:r>
+            <a:endParaRPr lang="nl-NL" dirty="0" smtClean="0"/>
+          </a:p>
+          <a:p>
+            <a:r>
+              <a:rPr lang="nl-NL" dirty="0" smtClean="0"/>
+              <a:t>Building a </a:t>
+            </a:r>
+            <a:r>
+              <a:rPr lang="nl-NL" dirty="0" err="1" smtClean="0"/>
+              <a:t>Ogre</a:t>
+            </a:r>
+            <a:r>
+              <a:rPr lang="nl-NL" dirty="0" smtClean="0"/>
+              <a:t> </a:t>
+            </a:r>
+            <a:r>
+              <a:rPr lang="nl-NL" dirty="0" err="1" smtClean="0"/>
+              <a:t>application</a:t>
+            </a:r>
+            <a:endParaRPr lang="nl-NL" dirty="0" smtClean="0"/>
+          </a:p>
+          <a:p>
+            <a:r>
+              <a:rPr lang="en-US" dirty="0" smtClean="0"/>
+              <a:t>Combining</a:t>
+            </a:r>
+            <a:r>
+              <a:rPr lang="nl-NL" dirty="0" smtClean="0"/>
+              <a:t> </a:t>
+            </a:r>
+            <a:r>
+              <a:rPr lang="nl-NL" dirty="0" err="1" smtClean="0"/>
+              <a:t>with</a:t>
+            </a:r>
+            <a:r>
+              <a:rPr lang="nl-NL" dirty="0"/>
+              <a:t> </a:t>
+            </a:r>
+            <a:r>
+              <a:rPr lang="nl-NL" dirty="0" err="1"/>
+              <a:t>laparoscopic</a:t>
+            </a:r>
+            <a:r>
+              <a:rPr lang="nl-NL" dirty="0"/>
+              <a:t> training system</a:t>
+            </a:r>
+            <a:endParaRPr lang="en-GB" dirty="0"/>
           </a:p>
         </p:txBody>
       </p:sp>
     </p:spTree>
     <p:extLst>
       <p:ext uri="{BB962C8B-B14F-4D97-AF65-F5344CB8AC3E}">
-        <p14:creationId xmlns:p14="http://schemas.microsoft.com/office/powerpoint/2010/main" val="797234809"/>
+        <p14:creationId xmlns:p14="http://schemas.microsoft.com/office/powerpoint/2010/main" val="3461154912"/>
       </p:ext>
     </p:extLst>
   </p:cSld>
@@ -6239,6 +6875,372 @@
           <a:p>
             <a:r>
               <a:rPr lang="nl-NL" dirty="0" smtClean="0"/>
+              <a:t>Using </a:t>
+            </a:r>
+            <a:r>
+              <a:rPr lang="nl-NL" dirty="0" err="1" smtClean="0"/>
+              <a:t>bullet</a:t>
+            </a:r>
+            <a:r>
+              <a:rPr lang="nl-NL" dirty="0" smtClean="0"/>
+              <a:t> </a:t>
+            </a:r>
+            <a:r>
+              <a:rPr lang="nl-NL" dirty="0" err="1" smtClean="0"/>
+              <a:t>and</a:t>
+            </a:r>
+            <a:r>
+              <a:rPr lang="nl-NL" dirty="0" smtClean="0"/>
+              <a:t> </a:t>
+            </a:r>
+            <a:r>
+              <a:rPr lang="nl-NL" dirty="0" err="1" smtClean="0"/>
+              <a:t>Ogre</a:t>
+            </a:r>
+            <a:endParaRPr lang="en-GB" dirty="0"/>
+          </a:p>
+        </p:txBody>
+      </p:sp>
+      <p:sp>
+        <p:nvSpPr>
+          <p:cNvPr id="3" name="Tijdelijke aanduiding voor inhoud 2"/>
+          <p:cNvSpPr>
+            <a:spLocks noGrp="1"/>
+          </p:cNvSpPr>
+          <p:nvPr>
+            <p:ph idx="1"/>
+          </p:nvPr>
+        </p:nvSpPr>
+        <p:spPr/>
+        <p:txBody>
+          <a:bodyPr/>
+          <a:lstStyle/>
+          <a:p>
+            <a:r>
+              <a:rPr lang="nl-NL" dirty="0" err="1" smtClean="0"/>
+              <a:t>Unfortully</a:t>
+            </a:r>
+            <a:r>
+              <a:rPr lang="nl-NL" dirty="0" smtClean="0"/>
+              <a:t> </a:t>
+            </a:r>
+            <a:r>
+              <a:rPr lang="nl-NL" dirty="0" err="1" smtClean="0"/>
+              <a:t>not</a:t>
+            </a:r>
+            <a:r>
+              <a:rPr lang="nl-NL" dirty="0" smtClean="0"/>
+              <a:t> </a:t>
+            </a:r>
+            <a:r>
+              <a:rPr lang="nl-NL" dirty="0" err="1" smtClean="0"/>
+              <a:t>working</a:t>
+            </a:r>
+            <a:r>
+              <a:rPr lang="nl-NL" dirty="0" smtClean="0"/>
+              <a:t> </a:t>
+            </a:r>
+            <a:r>
+              <a:rPr lang="nl-NL" dirty="0" err="1" smtClean="0"/>
+              <a:t>yet</a:t>
+            </a:r>
+            <a:endParaRPr lang="nl-NL" dirty="0" smtClean="0"/>
+          </a:p>
+          <a:p>
+            <a:r>
+              <a:rPr lang="nl-NL" dirty="0" err="1"/>
+              <a:t>Add</a:t>
+            </a:r>
+            <a:r>
+              <a:rPr lang="nl-NL" dirty="0"/>
+              <a:t> </a:t>
+            </a:r>
+            <a:r>
+              <a:rPr lang="nl-NL" dirty="0" err="1" smtClean="0"/>
+              <a:t>collision</a:t>
+            </a:r>
+            <a:r>
+              <a:rPr lang="nl-NL" dirty="0" smtClean="0"/>
+              <a:t> </a:t>
+            </a:r>
+            <a:r>
+              <a:rPr lang="nl-NL" dirty="0" err="1" smtClean="0"/>
+              <a:t>to</a:t>
+            </a:r>
+            <a:r>
+              <a:rPr lang="nl-NL" dirty="0" smtClean="0"/>
+              <a:t> </a:t>
+            </a:r>
+            <a:r>
+              <a:rPr lang="nl-NL" dirty="0" err="1" smtClean="0"/>
+              <a:t>Ogre</a:t>
+            </a:r>
+            <a:endParaRPr lang="nl-NL" dirty="0" smtClean="0"/>
+          </a:p>
+          <a:p>
+            <a:r>
+              <a:rPr lang="nl-NL" dirty="0" smtClean="0"/>
+              <a:t>Too </a:t>
+            </a:r>
+            <a:r>
+              <a:rPr lang="nl-NL" dirty="0" err="1" smtClean="0"/>
+              <a:t>much</a:t>
+            </a:r>
+            <a:r>
+              <a:rPr lang="nl-NL" dirty="0" smtClean="0"/>
+              <a:t> </a:t>
+            </a:r>
+            <a:r>
+              <a:rPr lang="nl-NL" dirty="0" err="1" smtClean="0"/>
+              <a:t>for</a:t>
+            </a:r>
+            <a:r>
+              <a:rPr lang="nl-NL" dirty="0" smtClean="0"/>
+              <a:t> </a:t>
+            </a:r>
+            <a:r>
+              <a:rPr lang="nl-NL" dirty="0" err="1" smtClean="0"/>
+              <a:t>one</a:t>
+            </a:r>
+            <a:r>
+              <a:rPr lang="nl-NL" dirty="0" smtClean="0"/>
+              <a:t> person</a:t>
+            </a:r>
+          </a:p>
+          <a:p>
+            <a:endParaRPr lang="nl-NL" dirty="0" smtClean="0"/>
+          </a:p>
+        </p:txBody>
+      </p:sp>
+    </p:spTree>
+    <p:extLst>
+      <p:ext uri="{BB962C8B-B14F-4D97-AF65-F5344CB8AC3E}">
+        <p14:creationId xmlns:p14="http://schemas.microsoft.com/office/powerpoint/2010/main" val="3704917377"/>
+      </p:ext>
+    </p:extLst>
+  </p:cSld>
+  <p:clrMapOvr>
+    <a:masterClrMapping/>
+  </p:clrMapOvr>
+</p:sld>
+</file>
+
+<file path=ppt/slides/slide4.xml><?xml version="1.0" encoding="utf-8"?>
+<p:sld xmlns:a="http://schemas.openxmlformats.org/drawingml/2006/main" xmlns:r="http://schemas.openxmlformats.org/officeDocument/2006/relationships" xmlns:p="http://schemas.openxmlformats.org/presentationml/2006/main">
+  <p:cSld>
+    <p:spTree>
+      <p:nvGrpSpPr>
+        <p:cNvPr id="1" name=""/>
+        <p:cNvGrpSpPr/>
+        <p:nvPr/>
+      </p:nvGrpSpPr>
+      <p:grpSpPr>
+        <a:xfrm>
+          <a:off x="0" y="0"/>
+          <a:ext cx="0" cy="0"/>
+          <a:chOff x="0" y="0"/>
+          <a:chExt cx="0" cy="0"/>
+        </a:xfrm>
+      </p:grpSpPr>
+      <p:sp>
+        <p:nvSpPr>
+          <p:cNvPr id="2" name="Titel 1"/>
+          <p:cNvSpPr>
+            <a:spLocks noGrp="1"/>
+          </p:cNvSpPr>
+          <p:nvPr>
+            <p:ph type="title"/>
+          </p:nvPr>
+        </p:nvSpPr>
+        <p:spPr>
+          <a:xfrm>
+            <a:off x="687171" y="447188"/>
+            <a:ext cx="10571998" cy="970450"/>
+          </a:xfrm>
+        </p:spPr>
+        <p:txBody>
+          <a:bodyPr/>
+          <a:lstStyle/>
+          <a:p>
+            <a:r>
+              <a:rPr lang="nl-NL" dirty="0" smtClean="0"/>
+              <a:t>Building </a:t>
+            </a:r>
+            <a:r>
+              <a:rPr lang="nl-NL" dirty="0" err="1" smtClean="0"/>
+              <a:t>an</a:t>
+            </a:r>
+            <a:r>
+              <a:rPr lang="nl-NL" dirty="0" smtClean="0"/>
+              <a:t> </a:t>
+            </a:r>
+            <a:r>
+              <a:rPr lang="nl-NL" dirty="0" err="1" smtClean="0"/>
+              <a:t>application</a:t>
+            </a:r>
+            <a:r>
+              <a:rPr lang="nl-NL" dirty="0" smtClean="0"/>
+              <a:t> </a:t>
+            </a:r>
+            <a:r>
+              <a:rPr lang="nl-NL" dirty="0" err="1" smtClean="0"/>
+              <a:t>with</a:t>
+            </a:r>
+            <a:r>
+              <a:rPr lang="nl-NL" dirty="0" smtClean="0"/>
+              <a:t> </a:t>
+            </a:r>
+            <a:r>
+              <a:rPr lang="nl-NL" dirty="0" err="1" smtClean="0"/>
+              <a:t>Ogre</a:t>
+            </a:r>
+            <a:endParaRPr lang="en-GB" dirty="0"/>
+          </a:p>
+        </p:txBody>
+      </p:sp>
+      <p:sp>
+        <p:nvSpPr>
+          <p:cNvPr id="3" name="Tijdelijke aanduiding voor inhoud 2"/>
+          <p:cNvSpPr>
+            <a:spLocks noGrp="1"/>
+          </p:cNvSpPr>
+          <p:nvPr>
+            <p:ph idx="1"/>
+          </p:nvPr>
+        </p:nvSpPr>
+        <p:spPr/>
+        <p:txBody>
+          <a:bodyPr>
+            <a:normAutofit/>
+          </a:bodyPr>
+          <a:lstStyle/>
+          <a:p>
+            <a:r>
+              <a:rPr lang="en-GB" dirty="0"/>
+              <a:t>Create the Root object. </a:t>
+            </a:r>
+          </a:p>
+          <a:p>
+            <a:r>
+              <a:rPr lang="en-GB" dirty="0"/>
+              <a:t>Define the resources that Ogre will use. </a:t>
+            </a:r>
+          </a:p>
+          <a:p>
+            <a:r>
+              <a:rPr lang="en-GB" dirty="0"/>
+              <a:t>Choose and set up the </a:t>
+            </a:r>
+            <a:r>
+              <a:rPr lang="en-GB" dirty="0" err="1"/>
+              <a:t>RenderSystem</a:t>
+            </a:r>
+            <a:r>
+              <a:rPr lang="en-GB" dirty="0"/>
+              <a:t> (that is, DirectX, OpenGL, </a:t>
+            </a:r>
+            <a:r>
+              <a:rPr lang="en-GB" dirty="0" err="1"/>
+              <a:t>etc</a:t>
+            </a:r>
+            <a:r>
+              <a:rPr lang="en-GB" dirty="0"/>
+              <a:t>). </a:t>
+            </a:r>
+          </a:p>
+          <a:p>
+            <a:r>
+              <a:rPr lang="en-GB" dirty="0"/>
+              <a:t>Create the </a:t>
+            </a:r>
+            <a:r>
+              <a:rPr lang="en-GB" dirty="0" err="1"/>
+              <a:t>RenderWindow</a:t>
+            </a:r>
+            <a:r>
+              <a:rPr lang="en-GB" dirty="0"/>
+              <a:t> (the window which Ogre resides in). </a:t>
+            </a:r>
+          </a:p>
+          <a:p>
+            <a:r>
+              <a:rPr lang="en-GB" dirty="0"/>
+              <a:t>Initialise the resources that you are going to use. </a:t>
+            </a:r>
+          </a:p>
+          <a:p>
+            <a:r>
+              <a:rPr lang="en-GB" dirty="0"/>
+              <a:t>Create a scene using those resources. </a:t>
+            </a:r>
+          </a:p>
+          <a:p>
+            <a:r>
+              <a:rPr lang="en-GB" dirty="0"/>
+              <a:t>Set up any third party libraries and plugins. </a:t>
+            </a:r>
+          </a:p>
+          <a:p>
+            <a:r>
+              <a:rPr lang="en-GB" dirty="0"/>
+              <a:t>Create any number of frame listeners. </a:t>
+            </a:r>
+          </a:p>
+          <a:p>
+            <a:r>
+              <a:rPr lang="en-GB" dirty="0"/>
+              <a:t>Start the render loop. </a:t>
+            </a:r>
+          </a:p>
+        </p:txBody>
+      </p:sp>
+    </p:spTree>
+    <p:extLst>
+      <p:ext uri="{BB962C8B-B14F-4D97-AF65-F5344CB8AC3E}">
+        <p14:creationId xmlns:p14="http://schemas.microsoft.com/office/powerpoint/2010/main" val="797234809"/>
+      </p:ext>
+    </p:extLst>
+  </p:cSld>
+  <p:clrMapOvr>
+    <a:masterClrMapping/>
+  </p:clrMapOvr>
+</p:sld>
+</file>
+
+<file path=ppt/slides/slide5.xml><?xml version="1.0" encoding="utf-8"?>
+<p:sld xmlns:a="http://schemas.openxmlformats.org/drawingml/2006/main" xmlns:r="http://schemas.openxmlformats.org/officeDocument/2006/relationships" xmlns:p="http://schemas.openxmlformats.org/presentationml/2006/main">
+  <p:cSld>
+    <p:spTree>
+      <p:nvGrpSpPr>
+        <p:cNvPr id="1" name=""/>
+        <p:cNvGrpSpPr/>
+        <p:nvPr/>
+      </p:nvGrpSpPr>
+      <p:grpSpPr>
+        <a:xfrm>
+          <a:off x="0" y="0"/>
+          <a:ext cx="0" cy="0"/>
+          <a:chOff x="0" y="0"/>
+          <a:chExt cx="0" cy="0"/>
+        </a:xfrm>
+      </p:grpSpPr>
+      <p:sp>
+        <p:nvSpPr>
+          <p:cNvPr id="2" name="Titel 1"/>
+          <p:cNvSpPr>
+            <a:spLocks noGrp="1"/>
+          </p:cNvSpPr>
+          <p:nvPr>
+            <p:ph type="title"/>
+          </p:nvPr>
+        </p:nvSpPr>
+        <p:spPr/>
+        <p:txBody>
+          <a:bodyPr/>
+          <a:lstStyle/>
+          <a:p>
+            <a:r>
+              <a:rPr lang="nl-NL" dirty="0" smtClean="0"/>
               <a:t>The root object</a:t>
             </a:r>
             <a:endParaRPr lang="en-GB" dirty="0"/>
@@ -6267,11 +7269,7 @@
           <a:p>
             <a:r>
               <a:rPr lang="nl-NL" dirty="0" smtClean="0"/>
-              <a:t>Construc</a:t>
-            </a:r>
-            <a:r>
-              <a:rPr lang="nl-NL" dirty="0" smtClean="0"/>
-              <a:t>t the root</a:t>
+              <a:t>Construct the root</a:t>
             </a:r>
           </a:p>
           <a:p>
@@ -6532,388 +7530,6 @@
 </p:sld>
 </file>
 
-<file path=ppt/slides/slide4.xml><?xml version="1.0" encoding="utf-8"?>
-<p:sld xmlns:a="http://schemas.openxmlformats.org/drawingml/2006/main" xmlns:r="http://schemas.openxmlformats.org/officeDocument/2006/relationships" xmlns:p="http://schemas.openxmlformats.org/presentationml/2006/main">
-  <p:cSld>
-    <p:spTree>
-      <p:nvGrpSpPr>
-        <p:cNvPr id="1" name=""/>
-        <p:cNvGrpSpPr/>
-        <p:nvPr/>
-      </p:nvGrpSpPr>
-      <p:grpSpPr>
-        <a:xfrm>
-          <a:off x="0" y="0"/>
-          <a:ext cx="0" cy="0"/>
-          <a:chOff x="0" y="0"/>
-          <a:chExt cx="0" cy="0"/>
-        </a:xfrm>
-      </p:grpSpPr>
-      <p:sp>
-        <p:nvSpPr>
-          <p:cNvPr id="2" name="Titel 1"/>
-          <p:cNvSpPr>
-            <a:spLocks noGrp="1"/>
-          </p:cNvSpPr>
-          <p:nvPr>
-            <p:ph type="title"/>
-          </p:nvPr>
-        </p:nvSpPr>
-        <p:spPr/>
-        <p:txBody>
-          <a:bodyPr/>
-          <a:lstStyle/>
-          <a:p>
-            <a:r>
-              <a:rPr lang="nl-NL" dirty="0" smtClean="0"/>
-              <a:t>Resources</a:t>
-            </a:r>
-            <a:endParaRPr lang="en-GB" dirty="0"/>
-          </a:p>
-        </p:txBody>
-      </p:sp>
-      <p:sp>
-        <p:nvSpPr>
-          <p:cNvPr id="3" name="Tijdelijke aanduiding voor inhoud 2"/>
-          <p:cNvSpPr>
-            <a:spLocks noGrp="1"/>
-          </p:cNvSpPr>
-          <p:nvPr>
-            <p:ph idx="1"/>
-          </p:nvPr>
-        </p:nvSpPr>
-        <p:spPr/>
-        <p:txBody>
-          <a:bodyPr/>
-          <a:lstStyle/>
-          <a:p>
-            <a:r>
-              <a:rPr lang="nl-NL" dirty="0" smtClean="0"/>
-              <a:t>Resources are </a:t>
-            </a:r>
-            <a:r>
-              <a:rPr lang="nl-NL" dirty="0" err="1" smtClean="0"/>
-              <a:t>for</a:t>
-            </a:r>
-            <a:r>
-              <a:rPr lang="nl-NL" dirty="0" smtClean="0"/>
-              <a:t> </a:t>
-            </a:r>
-            <a:r>
-              <a:rPr lang="nl-NL" dirty="0" err="1" smtClean="0"/>
-              <a:t>example</a:t>
-            </a:r>
-            <a:r>
-              <a:rPr lang="nl-NL" dirty="0" smtClean="0"/>
-              <a:t> .</a:t>
-            </a:r>
-            <a:r>
-              <a:rPr lang="nl-NL" dirty="0" err="1" smtClean="0"/>
-              <a:t>mesh</a:t>
-            </a:r>
-            <a:r>
-              <a:rPr lang="nl-NL" dirty="0" smtClean="0"/>
-              <a:t> files</a:t>
-            </a:r>
-          </a:p>
-          <a:p>
-            <a:r>
-              <a:rPr lang="nl-NL" dirty="0" smtClean="0"/>
-              <a:t>Load the resources file </a:t>
-            </a:r>
-            <a:r>
-              <a:rPr lang="nl-NL" dirty="0" err="1" smtClean="0"/>
-              <a:t>resources.cfg</a:t>
-            </a:r>
-            <a:endParaRPr lang="en-GB" dirty="0" smtClean="0"/>
-          </a:p>
-          <a:p>
-            <a:r>
-              <a:rPr lang="en-GB" dirty="0" smtClean="0"/>
-              <a:t>Ogre</a:t>
-            </a:r>
-            <a:r>
-              <a:rPr lang="en-GB" dirty="0"/>
-              <a:t>::</a:t>
-            </a:r>
-            <a:r>
-              <a:rPr lang="en-GB" dirty="0" err="1"/>
-              <a:t>ConfigFile</a:t>
-            </a:r>
-            <a:r>
-              <a:rPr lang="en-GB" dirty="0"/>
-              <a:t> </a:t>
-            </a:r>
-            <a:r>
-              <a:rPr lang="en-GB" dirty="0" err="1" smtClean="0"/>
-              <a:t>cf</a:t>
-            </a:r>
-            <a:r>
-              <a:rPr lang="en-GB" dirty="0" smtClean="0"/>
-              <a:t>; </a:t>
-            </a:r>
-          </a:p>
-          <a:p>
-            <a:pPr marL="457200" lvl="1" indent="0">
-              <a:buNone/>
-            </a:pPr>
-            <a:r>
-              <a:rPr lang="en-GB" dirty="0" err="1" smtClean="0"/>
-              <a:t>cf.load</a:t>
-            </a:r>
-            <a:r>
-              <a:rPr lang="en-GB" dirty="0" smtClean="0"/>
-              <a:t>(</a:t>
-            </a:r>
-            <a:r>
-              <a:rPr lang="en-GB" dirty="0" err="1" smtClean="0"/>
-              <a:t>mResourcesCfg</a:t>
-            </a:r>
-            <a:r>
-              <a:rPr lang="en-GB" dirty="0" smtClean="0"/>
-              <a:t>);</a:t>
-            </a:r>
-          </a:p>
-          <a:p>
-            <a:r>
-              <a:rPr lang="en-GB" dirty="0" err="1" smtClean="0"/>
-              <a:t>FileSystem</a:t>
-            </a:r>
-            <a:r>
-              <a:rPr lang="en-GB" dirty="0"/>
-              <a:t>=../../</a:t>
-            </a:r>
-            <a:r>
-              <a:rPr lang="en-GB" dirty="0" smtClean="0"/>
-              <a:t>Media/materials/textures</a:t>
-            </a:r>
-          </a:p>
-          <a:p>
-            <a:r>
-              <a:rPr lang="nl-NL" dirty="0" err="1" smtClean="0"/>
-              <a:t>After</a:t>
-            </a:r>
-            <a:r>
-              <a:rPr lang="nl-NL" dirty="0" smtClean="0"/>
-              <a:t> </a:t>
-            </a:r>
-            <a:r>
-              <a:rPr lang="nl-NL" dirty="0" err="1" smtClean="0"/>
-              <a:t>that</a:t>
-            </a:r>
-            <a:r>
-              <a:rPr lang="nl-NL" dirty="0" smtClean="0"/>
-              <a:t> load in the resource </a:t>
-            </a:r>
-            <a:r>
-              <a:rPr lang="nl-NL" dirty="0" err="1" smtClean="0"/>
-              <a:t>mangager</a:t>
-            </a:r>
-            <a:endParaRPr lang="en-GB" dirty="0" smtClean="0"/>
-          </a:p>
-          <a:p>
-            <a:endParaRPr lang="en-GB" dirty="0"/>
-          </a:p>
-        </p:txBody>
-      </p:sp>
-    </p:spTree>
-    <p:extLst>
-      <p:ext uri="{BB962C8B-B14F-4D97-AF65-F5344CB8AC3E}">
-        <p14:creationId xmlns:p14="http://schemas.microsoft.com/office/powerpoint/2010/main" val="2122385465"/>
-      </p:ext>
-    </p:extLst>
-  </p:cSld>
-  <p:clrMapOvr>
-    <a:masterClrMapping/>
-  </p:clrMapOvr>
-</p:sld>
-</file>
-
-<file path=ppt/slides/slide5.xml><?xml version="1.0" encoding="utf-8"?>
-<p:sld xmlns:a="http://schemas.openxmlformats.org/drawingml/2006/main" xmlns:r="http://schemas.openxmlformats.org/officeDocument/2006/relationships" xmlns:p="http://schemas.openxmlformats.org/presentationml/2006/main">
-  <p:cSld>
-    <p:spTree>
-      <p:nvGrpSpPr>
-        <p:cNvPr id="1" name=""/>
-        <p:cNvGrpSpPr/>
-        <p:nvPr/>
-      </p:nvGrpSpPr>
-      <p:grpSpPr>
-        <a:xfrm>
-          <a:off x="0" y="0"/>
-          <a:ext cx="0" cy="0"/>
-          <a:chOff x="0" y="0"/>
-          <a:chExt cx="0" cy="0"/>
-        </a:xfrm>
-      </p:grpSpPr>
-      <p:sp>
-        <p:nvSpPr>
-          <p:cNvPr id="2" name="Titel 1"/>
-          <p:cNvSpPr>
-            <a:spLocks noGrp="1"/>
-          </p:cNvSpPr>
-          <p:nvPr>
-            <p:ph type="title"/>
-          </p:nvPr>
-        </p:nvSpPr>
-        <p:spPr/>
-        <p:txBody>
-          <a:bodyPr/>
-          <a:lstStyle/>
-          <a:p>
-            <a:r>
-              <a:rPr lang="en-GB" dirty="0"/>
-              <a:t>Choose and set up the </a:t>
-            </a:r>
-            <a:r>
-              <a:rPr lang="en-GB" dirty="0" err="1"/>
-              <a:t>RenderSystem</a:t>
-            </a:r>
-            <a:endParaRPr lang="en-GB" dirty="0"/>
-          </a:p>
-        </p:txBody>
-      </p:sp>
-      <p:sp>
-        <p:nvSpPr>
-          <p:cNvPr id="3" name="Tijdelijke aanduiding voor inhoud 2"/>
-          <p:cNvSpPr>
-            <a:spLocks noGrp="1"/>
-          </p:cNvSpPr>
-          <p:nvPr>
-            <p:ph idx="1"/>
-          </p:nvPr>
-        </p:nvSpPr>
-        <p:spPr/>
-        <p:txBody>
-          <a:bodyPr/>
-          <a:lstStyle/>
-          <a:p>
-            <a:r>
-              <a:rPr lang="nl-NL" dirty="0" smtClean="0"/>
-              <a:t>Load the </a:t>
-            </a:r>
-            <a:r>
-              <a:rPr lang="nl-NL" dirty="0" err="1" smtClean="0"/>
-              <a:t>settings</a:t>
-            </a:r>
-            <a:r>
-              <a:rPr lang="nl-NL" dirty="0" smtClean="0"/>
-              <a:t> </a:t>
-            </a:r>
-            <a:r>
-              <a:rPr lang="nl-NL" dirty="0" err="1" smtClean="0"/>
-              <a:t>from</a:t>
-            </a:r>
-            <a:r>
-              <a:rPr lang="nl-NL" dirty="0" smtClean="0"/>
-              <a:t> the </a:t>
-            </a:r>
-            <a:r>
-              <a:rPr lang="nl-NL" dirty="0" err="1" smtClean="0"/>
-              <a:t>config</a:t>
-            </a:r>
-            <a:r>
-              <a:rPr lang="nl-NL" dirty="0" smtClean="0"/>
-              <a:t> file</a:t>
-            </a:r>
-          </a:p>
-          <a:p>
-            <a:r>
-              <a:rPr lang="nl-NL" dirty="0" err="1" smtClean="0"/>
-              <a:t>If</a:t>
-            </a:r>
-            <a:r>
-              <a:rPr lang="nl-NL" dirty="0" smtClean="0"/>
-              <a:t> no </a:t>
-            </a:r>
-            <a:r>
-              <a:rPr lang="nl-NL" dirty="0" err="1" smtClean="0"/>
-              <a:t>settings</a:t>
-            </a:r>
-            <a:r>
-              <a:rPr lang="nl-NL" dirty="0" smtClean="0"/>
-              <a:t> set, a screen is </a:t>
-            </a:r>
-            <a:r>
-              <a:rPr lang="nl-NL" dirty="0" err="1" smtClean="0"/>
-              <a:t>shown</a:t>
-            </a:r>
-            <a:r>
-              <a:rPr lang="nl-NL" dirty="0" smtClean="0"/>
-              <a:t> </a:t>
-            </a:r>
-            <a:r>
-              <a:rPr lang="nl-NL" dirty="0" err="1" smtClean="0"/>
-              <a:t>to</a:t>
-            </a:r>
-            <a:r>
-              <a:rPr lang="nl-NL" dirty="0" smtClean="0"/>
-              <a:t> setup the </a:t>
-            </a:r>
-            <a:r>
-              <a:rPr lang="nl-NL" dirty="0" err="1" smtClean="0"/>
-              <a:t>settings</a:t>
-            </a:r>
-            <a:endParaRPr lang="nl-NL" dirty="0" smtClean="0"/>
-          </a:p>
-          <a:p>
-            <a:r>
-              <a:rPr lang="nl-NL" dirty="0" err="1"/>
-              <a:t>if</a:t>
-            </a:r>
-            <a:r>
-              <a:rPr lang="nl-NL" dirty="0"/>
-              <a:t>(!(</a:t>
-            </a:r>
-            <a:r>
-              <a:rPr lang="nl-NL" dirty="0" err="1"/>
-              <a:t>mRoot</a:t>
-            </a:r>
-            <a:r>
-              <a:rPr lang="nl-NL" dirty="0"/>
-              <a:t>-&gt;</a:t>
-            </a:r>
-            <a:r>
-              <a:rPr lang="nl-NL" dirty="0" err="1"/>
-              <a:t>restoreConfig</a:t>
-            </a:r>
-            <a:r>
-              <a:rPr lang="nl-NL" dirty="0"/>
-              <a:t>() || </a:t>
-            </a:r>
-            <a:r>
-              <a:rPr lang="nl-NL" dirty="0" err="1"/>
-              <a:t>mRoot</a:t>
-            </a:r>
-            <a:r>
-              <a:rPr lang="nl-NL" dirty="0"/>
-              <a:t>-&gt;</a:t>
-            </a:r>
-            <a:r>
-              <a:rPr lang="nl-NL" dirty="0" err="1"/>
-              <a:t>showConfigDialog</a:t>
-            </a:r>
-            <a:r>
-              <a:rPr lang="nl-NL" dirty="0" smtClean="0"/>
-              <a:t>()))</a:t>
-            </a:r>
-            <a:endParaRPr lang="nl-NL" dirty="0"/>
-          </a:p>
-        </p:txBody>
-      </p:sp>
-    </p:spTree>
-    <p:extLst>
-      <p:ext uri="{BB962C8B-B14F-4D97-AF65-F5344CB8AC3E}">
-        <p14:creationId xmlns:p14="http://schemas.microsoft.com/office/powerpoint/2010/main" val="2819628991"/>
-      </p:ext>
-    </p:extLst>
-  </p:cSld>
-  <p:clrMapOvr>
-    <a:masterClrMapping/>
-  </p:clrMapOvr>
-</p:sld>
-</file>
-
 <file path=ppt/slides/slide6.xml><?xml version="1.0" encoding="utf-8"?>
 <p:sld xmlns:a="http://schemas.openxmlformats.org/drawingml/2006/main" xmlns:r="http://schemas.openxmlformats.org/officeDocument/2006/relationships" xmlns:p="http://schemas.openxmlformats.org/presentationml/2006/main">
   <p:cSld>
@@ -6947,12 +7563,8 @@
           <a:lstStyle/>
           <a:p>
             <a:r>
-              <a:rPr lang="en-GB" dirty="0"/>
-              <a:t>Creating a </a:t>
-            </a:r>
-            <a:r>
-              <a:rPr lang="en-GB" dirty="0" err="1" smtClean="0"/>
-              <a:t>RenderWindow</a:t>
+              <a:rPr lang="nl-NL" dirty="0" smtClean="0"/>
+              <a:t>Resources</a:t>
             </a:r>
             <a:endParaRPr lang="en-GB" dirty="0"/>
           </a:p>
@@ -6974,16 +7586,12 @@
           <a:lstStyle/>
           <a:p>
             <a:r>
+              <a:rPr lang="nl-NL" dirty="0" smtClean="0"/>
+              <a:t>Resources are </a:t>
+            </a:r>
+            <a:r>
               <a:rPr lang="nl-NL" dirty="0" err="1" smtClean="0"/>
-              <a:t>Create</a:t>
-            </a:r>
-            <a:r>
-              <a:rPr lang="nl-NL" dirty="0" smtClean="0"/>
-              <a:t> the </a:t>
-            </a:r>
-            <a:r>
-              <a:rPr lang="nl-NL" dirty="0" err="1" smtClean="0"/>
-              <a:t>window</a:t>
+              <a:t>for</a:t>
             </a:r>
             <a:r>
               <a:rPr lang="nl-NL" dirty="0" smtClean="0"/>
@@ -6991,7 +7599,97 @@
             </a:r>
             <a:r>
               <a:rPr lang="nl-NL" dirty="0" err="1" smtClean="0"/>
-              <a:t>where</a:t>
+              <a:t>example</a:t>
+            </a:r>
+            <a:r>
+              <a:rPr lang="nl-NL" dirty="0" smtClean="0"/>
+              <a:t> .</a:t>
+            </a:r>
+            <a:r>
+              <a:rPr lang="nl-NL" dirty="0" err="1" smtClean="0"/>
+              <a:t>mesh</a:t>
+            </a:r>
+            <a:r>
+              <a:rPr lang="nl-NL" dirty="0" smtClean="0"/>
+              <a:t> files</a:t>
+            </a:r>
+          </a:p>
+          <a:p>
+            <a:r>
+              <a:rPr lang="nl-NL" dirty="0" smtClean="0"/>
+              <a:t>Load the resources file </a:t>
+            </a:r>
+            <a:r>
+              <a:rPr lang="nl-NL" dirty="0" err="1" smtClean="0"/>
+              <a:t>resources.cfg</a:t>
+            </a:r>
+            <a:endParaRPr lang="en-GB" dirty="0" smtClean="0"/>
+          </a:p>
+          <a:p>
+            <a:r>
+              <a:rPr lang="en-GB" dirty="0" smtClean="0"/>
+              <a:t>Ogre</a:t>
+            </a:r>
+            <a:r>
+              <a:rPr lang="en-GB" dirty="0"/>
+              <a:t>::</a:t>
+            </a:r>
+            <a:r>
+              <a:rPr lang="en-GB" dirty="0" err="1"/>
+              <a:t>ConfigFile</a:t>
+            </a:r>
+            <a:r>
+              <a:rPr lang="en-GB" dirty="0"/>
+              <a:t> </a:t>
+            </a:r>
+            <a:r>
+              <a:rPr lang="en-GB" dirty="0" err="1" smtClean="0"/>
+              <a:t>cf</a:t>
+            </a:r>
+            <a:r>
+              <a:rPr lang="en-GB" dirty="0" smtClean="0"/>
+              <a:t>; </a:t>
+            </a:r>
+          </a:p>
+          <a:p>
+            <a:pPr marL="457200" lvl="1" indent="0">
+              <a:buNone/>
+            </a:pPr>
+            <a:r>
+              <a:rPr lang="en-GB" dirty="0" err="1" smtClean="0"/>
+              <a:t>cf.load</a:t>
+            </a:r>
+            <a:r>
+              <a:rPr lang="en-GB" dirty="0" smtClean="0"/>
+              <a:t>(</a:t>
+            </a:r>
+            <a:r>
+              <a:rPr lang="en-GB" dirty="0" err="1" smtClean="0"/>
+              <a:t>mResourcesCfg</a:t>
+            </a:r>
+            <a:r>
+              <a:rPr lang="en-GB" dirty="0" smtClean="0"/>
+              <a:t>);</a:t>
+            </a:r>
+          </a:p>
+          <a:p>
+            <a:r>
+              <a:rPr lang="en-GB" dirty="0" err="1" smtClean="0"/>
+              <a:t>FileSystem</a:t>
+            </a:r>
+            <a:r>
+              <a:rPr lang="en-GB" dirty="0"/>
+              <a:t>=../../</a:t>
+            </a:r>
+            <a:r>
+              <a:rPr lang="en-GB" dirty="0" smtClean="0"/>
+              <a:t>Media/materials/textures</a:t>
+            </a:r>
+          </a:p>
+          <a:p>
+            <a:r>
+              <a:rPr lang="nl-NL" dirty="0" err="1" smtClean="0"/>
+              <a:t>After</a:t>
             </a:r>
             <a:r>
               <a:rPr lang="nl-NL" dirty="0" smtClean="0"/>
@@ -6999,42 +7697,27 @@
             </a:r>
             <a:r>
               <a:rPr lang="nl-NL" dirty="0" err="1" smtClean="0"/>
-              <a:t>everything</a:t>
+              <a:t>that</a:t>
             </a:r>
             <a:r>
               <a:rPr lang="nl-NL" dirty="0" smtClean="0"/>
-              <a:t> is </a:t>
+              <a:t> load in the resource </a:t>
             </a:r>
             <a:r>
               <a:rPr lang="nl-NL" dirty="0" err="1" smtClean="0"/>
-              <a:t>shown</a:t>
-            </a:r>
-            <a:endParaRPr lang="nl-NL" dirty="0" smtClean="0"/>
-          </a:p>
-          <a:p>
-            <a:r>
-              <a:rPr lang="en-GB" dirty="0" err="1"/>
-              <a:t>mWindow</a:t>
-            </a:r>
-            <a:r>
-              <a:rPr lang="en-GB" dirty="0"/>
-              <a:t> = </a:t>
-            </a:r>
-            <a:r>
-              <a:rPr lang="en-GB" dirty="0" err="1"/>
-              <a:t>mRoot</a:t>
-            </a:r>
-            <a:r>
-              <a:rPr lang="en-GB" dirty="0"/>
-              <a:t>-&gt;initialise(true, "BasicTutorial6 Render Window");</a:t>
-            </a:r>
+              <a:t>mangager</a:t>
+            </a:r>
+            <a:endParaRPr lang="en-GB" dirty="0" smtClean="0"/>
+          </a:p>
+          <a:p>
+            <a:endParaRPr lang="en-GB" dirty="0"/>
           </a:p>
         </p:txBody>
       </p:sp>
     </p:spTree>
     <p:extLst>
       <p:ext uri="{BB962C8B-B14F-4D97-AF65-F5344CB8AC3E}">
-        <p14:creationId xmlns:p14="http://schemas.microsoft.com/office/powerpoint/2010/main" val="1758525916"/>
+        <p14:creationId xmlns:p14="http://schemas.microsoft.com/office/powerpoint/2010/main" val="2122385465"/>
       </p:ext>
     </p:extLst>
   </p:cSld>
@@ -7078,66 +7761,148 @@
           <a:p>
             <a:r>
               <a:rPr lang="en-GB" dirty="0"/>
-              <a:t>Initialise </a:t>
-            </a:r>
+              <a:t>Choose and set up the </a:t>
+            </a:r>
+            <a:r>
+              <a:rPr lang="en-GB" dirty="0" err="1"/>
+              <a:t>RenderSystem</a:t>
+            </a:r>
+            <a:endParaRPr lang="en-GB" dirty="0"/>
+          </a:p>
+        </p:txBody>
+      </p:sp>
+      <p:sp>
+        <p:nvSpPr>
+          <p:cNvPr id="3" name="Tijdelijke aanduiding voor inhoud 2"/>
+          <p:cNvSpPr>
+            <a:spLocks noGrp="1"/>
+          </p:cNvSpPr>
+          <p:nvPr>
+            <p:ph idx="1"/>
+          </p:nvPr>
+        </p:nvSpPr>
+        <p:spPr/>
+        <p:txBody>
+          <a:bodyPr/>
+          <a:lstStyle/>
+          <a:p>
             <a:r>
               <a:rPr lang="nl-NL" dirty="0" smtClean="0"/>
-              <a:t>resources</a:t>
-            </a:r>
-            <a:endParaRPr lang="en-GB" dirty="0"/>
-          </a:p>
-        </p:txBody>
-      </p:sp>
-      <p:sp>
-        <p:nvSpPr>
-          <p:cNvPr id="3" name="Tijdelijke aanduiding voor inhoud 2"/>
-          <p:cNvSpPr>
-            <a:spLocks noGrp="1"/>
-          </p:cNvSpPr>
-          <p:nvPr>
-            <p:ph idx="1"/>
-          </p:nvPr>
-        </p:nvSpPr>
-        <p:spPr/>
-        <p:txBody>
-          <a:bodyPr/>
-          <a:lstStyle/>
-          <a:p>
+              <a:t>Load the </a:t>
+            </a:r>
+            <a:r>
+              <a:rPr lang="nl-NL" dirty="0" err="1" smtClean="0"/>
+              <a:t>settings</a:t>
+            </a:r>
             <a:r>
               <a:rPr lang="nl-NL" dirty="0" smtClean="0"/>
-              <a:t>Load the resources at the program</a:t>
-            </a:r>
-          </a:p>
-          <a:p>
+              <a:t> </a:t>
+            </a:r>
             <a:r>
               <a:rPr lang="nl-NL" dirty="0" err="1" smtClean="0"/>
-              <a:t>Now</a:t>
+              <a:t>from</a:t>
             </a:r>
             <a:r>
               <a:rPr lang="nl-NL" dirty="0" smtClean="0"/>
-              <a:t> load </a:t>
+              <a:t> the </a:t>
             </a:r>
             <a:r>
               <a:rPr lang="nl-NL" dirty="0" err="1" smtClean="0"/>
-              <a:t>all</a:t>
+              <a:t>config</a:t>
             </a:r>
             <a:r>
               <a:rPr lang="nl-NL" dirty="0" smtClean="0"/>
-              <a:t> resources </a:t>
-            </a:r>
-          </a:p>
-          <a:p>
+              <a:t> file</a:t>
+            </a:r>
+          </a:p>
+          <a:p>
+            <a:r>
+              <a:rPr lang="nl-NL" dirty="0" err="1" smtClean="0"/>
+              <a:t>If</a:t>
+            </a:r>
             <a:r>
               <a:rPr lang="nl-NL" dirty="0" smtClean="0"/>
-              <a:t>Resource management</a:t>
-            </a:r>
+              <a:t> no </a:t>
+            </a:r>
+            <a:r>
+              <a:rPr lang="nl-NL" dirty="0" err="1" smtClean="0"/>
+              <a:t>settings</a:t>
+            </a:r>
+            <a:r>
+              <a:rPr lang="nl-NL" dirty="0" smtClean="0"/>
+              <a:t> set, a screen is </a:t>
+            </a:r>
+            <a:r>
+              <a:rPr lang="nl-NL" dirty="0" err="1" smtClean="0"/>
+              <a:t>shown</a:t>
+            </a:r>
+            <a:r>
+              <a:rPr lang="nl-NL" dirty="0" smtClean="0"/>
+              <a:t> </a:t>
+            </a:r>
+            <a:r>
+              <a:rPr lang="nl-NL" dirty="0" err="1" smtClean="0"/>
+              <a:t>to</a:t>
+            </a:r>
+            <a:r>
+              <a:rPr lang="nl-NL" dirty="0" smtClean="0"/>
+              <a:t> setup the </a:t>
+            </a:r>
+            <a:r>
+              <a:rPr lang="nl-NL" dirty="0" err="1" smtClean="0"/>
+              <a:t>settings</a:t>
+            </a:r>
+            <a:endParaRPr lang="nl-NL" dirty="0" smtClean="0"/>
+          </a:p>
+          <a:p>
+            <a:r>
+              <a:rPr lang="nl-NL" dirty="0" err="1"/>
+              <a:t>if</a:t>
+            </a:r>
+            <a:r>
+              <a:rPr lang="nl-NL" dirty="0"/>
+              <a:t>(!(</a:t>
+            </a:r>
+            <a:r>
+              <a:rPr lang="nl-NL" dirty="0" err="1"/>
+              <a:t>mRoot</a:t>
+            </a:r>
+            <a:r>
+              <a:rPr lang="nl-NL" dirty="0"/>
+              <a:t>-&gt;</a:t>
+            </a:r>
+            <a:r>
+              <a:rPr lang="nl-NL" dirty="0" err="1"/>
+              <a:t>restoreConfig</a:t>
+            </a:r>
+            <a:r>
+              <a:rPr lang="nl-NL" dirty="0"/>
+              <a:t>() || </a:t>
+            </a:r>
+            <a:r>
+              <a:rPr lang="nl-NL" dirty="0" err="1"/>
+              <a:t>mRoot</a:t>
+            </a:r>
+            <a:r>
+              <a:rPr lang="nl-NL" dirty="0"/>
+              <a:t>-&gt;</a:t>
+            </a:r>
+            <a:r>
+              <a:rPr lang="nl-NL" dirty="0" err="1"/>
+              <a:t>showConfigDialog</a:t>
+            </a:r>
+            <a:r>
+              <a:rPr lang="nl-NL" dirty="0" smtClean="0"/>
+              <a:t>()))</a:t>
+            </a:r>
+            <a:endParaRPr lang="nl-NL" dirty="0"/>
           </a:p>
         </p:txBody>
       </p:sp>
     </p:spTree>
     <p:extLst>
       <p:ext uri="{BB962C8B-B14F-4D97-AF65-F5344CB8AC3E}">
-        <p14:creationId xmlns:p14="http://schemas.microsoft.com/office/powerpoint/2010/main" val="3729193102"/>
+        <p14:creationId xmlns:p14="http://schemas.microsoft.com/office/powerpoint/2010/main" val="2819628991"/>
       </p:ext>
     </p:extLst>
   </p:cSld>
@@ -7181,8 +7946,13 @@
           <a:p>
             <a:r>
               <a:rPr lang="en-GB" dirty="0"/>
-              <a:t>Create a scene</a:t>
-            </a:r>
+              <a:t>Creating a </a:t>
+            </a:r>
+            <a:r>
+              <a:rPr lang="en-GB" dirty="0" err="1" smtClean="0"/>
+              <a:t>RenderWindow</a:t>
+            </a:r>
+            <a:endParaRPr lang="en-GB" dirty="0"/>
           </a:p>
         </p:txBody>
       </p:sp>
@@ -7211,41 +7981,50 @@
             </a:r>
             <a:r>
               <a:rPr lang="nl-NL" dirty="0" err="1" smtClean="0"/>
-              <a:t>sceneManager</a:t>
+              <a:t>window</a:t>
             </a:r>
             <a:r>
               <a:rPr lang="nl-NL" dirty="0" smtClean="0"/>
-              <a:t> (root)</a:t>
-            </a:r>
-          </a:p>
-          <a:p>
+              <a:t> </a:t>
+            </a:r>
             <a:r>
               <a:rPr lang="nl-NL" dirty="0" err="1" smtClean="0"/>
-              <a:t>Create</a:t>
+              <a:t>where</a:t>
             </a:r>
             <a:r>
               <a:rPr lang="nl-NL" dirty="0" smtClean="0"/>
-              <a:t> the camera</a:t>
-            </a:r>
-          </a:p>
-          <a:p>
+              <a:t> </a:t>
+            </a:r>
             <a:r>
               <a:rPr lang="nl-NL" dirty="0" err="1" smtClean="0"/>
-              <a:t>Create</a:t>
+              <a:t>everything</a:t>
             </a:r>
             <a:r>
               <a:rPr lang="nl-NL" dirty="0" smtClean="0"/>
-              <a:t> the viewport</a:t>
-            </a:r>
-          </a:p>
-          <a:p>
+              <a:t> is </a:t>
+            </a:r>
             <a:r>
               <a:rPr lang="nl-NL" dirty="0" err="1" smtClean="0"/>
-              <a:t>Create</a:t>
-            </a:r>
-            <a:r>
-              <a:rPr lang="nl-NL" dirty="0" smtClean="0"/>
-              <a:t> the scenes</a:t>
+              <a:t>shown</a:t>
+            </a:r>
+            <a:endParaRPr lang="nl-NL" dirty="0" smtClean="0"/>
+          </a:p>
+          <a:p>
+            <a:r>
+              <a:rPr lang="en-GB" dirty="0" err="1"/>
+              <a:t>mWindow</a:t>
+            </a:r>
+            <a:r>
+              <a:rPr lang="en-GB" dirty="0"/>
+              <a:t> = </a:t>
+            </a:r>
+            <a:r>
+              <a:rPr lang="en-GB" dirty="0" err="1"/>
+              <a:t>mRoot</a:t>
+            </a:r>
+            <a:r>
+              <a:rPr lang="en-GB" dirty="0"/>
+              <a:t>-&gt;initialise(true, "BasicTutorial6 Render Window");</a:t>
             </a:r>
           </a:p>
         </p:txBody>
@@ -7253,7 +8032,7 @@
     </p:spTree>
     <p:extLst>
       <p:ext uri="{BB962C8B-B14F-4D97-AF65-F5344CB8AC3E}">
-        <p14:creationId xmlns:p14="http://schemas.microsoft.com/office/powerpoint/2010/main" val="1736139545"/>
+        <p14:creationId xmlns:p14="http://schemas.microsoft.com/office/powerpoint/2010/main" val="1758525916"/>
       </p:ext>
     </p:extLst>
   </p:cSld>
@@ -7297,8 +8076,13 @@
           <a:p>
             <a:r>
               <a:rPr lang="en-GB" dirty="0"/>
-              <a:t>Set up any third party libraries and plugins</a:t>
-            </a:r>
+              <a:t>Initialise </a:t>
+            </a:r>
+            <a:r>
+              <a:rPr lang="nl-NL" dirty="0" smtClean="0"/>
+              <a:t>resources</a:t>
+            </a:r>
+            <a:endParaRPr lang="en-GB" dirty="0"/>
           </a:p>
         </p:txBody>
       </p:sp>
@@ -7318,17 +8102,40 @@
           <a:lstStyle/>
           <a:p>
             <a:r>
-              <a:rPr lang="en-GB" dirty="0" smtClean="0"/>
-              <a:t>Set up library’s like OIS, HID</a:t>
-            </a:r>
-            <a:endParaRPr lang="en-GB" dirty="0"/>
+              <a:rPr lang="nl-NL" dirty="0" smtClean="0"/>
+              <a:t>Load the resources at the program</a:t>
+            </a:r>
+          </a:p>
+          <a:p>
+            <a:r>
+              <a:rPr lang="nl-NL" dirty="0" err="1" smtClean="0"/>
+              <a:t>Now</a:t>
+            </a:r>
+            <a:r>
+              <a:rPr lang="nl-NL" dirty="0" smtClean="0"/>
+              <a:t> load </a:t>
+            </a:r>
+            <a:r>
+              <a:rPr lang="nl-NL" dirty="0" err="1" smtClean="0"/>
+              <a:t>all</a:t>
+            </a:r>
+            <a:r>
+              <a:rPr lang="nl-NL" dirty="0" smtClean="0"/>
+              <a:t> resources </a:t>
+            </a:r>
+          </a:p>
+          <a:p>
+            <a:r>
+              <a:rPr lang="nl-NL" dirty="0" smtClean="0"/>
+              <a:t>Resource management</a:t>
+            </a:r>
           </a:p>
         </p:txBody>
       </p:sp>
     </p:spTree>
     <p:extLst>
       <p:ext uri="{BB962C8B-B14F-4D97-AF65-F5344CB8AC3E}">
-        <p14:creationId xmlns:p14="http://schemas.microsoft.com/office/powerpoint/2010/main" val="3258175009"/>
+        <p14:creationId xmlns:p14="http://schemas.microsoft.com/office/powerpoint/2010/main" val="3729193102"/>
       </p:ext>
     </p:extLst>
   </p:cSld>
